--- a/Setup_And_Tutorials/media/Pics.pptx
+++ b/Setup_And_Tutorials/media/Pics.pptx
@@ -104,6 +104,11 @@
       </a:defRPr>
     </a:lvl9pPr>
   </p:defaultTextStyle>
+  <p:extLst>
+    <p:ext uri="{EFAFB233-063F-42B5-8137-9DF3F51BA10A}">
+      <p15:sldGuideLst xmlns:p15="http://schemas.microsoft.com/office/powerpoint/2012/main"/>
+    </p:ext>
+  </p:extLst>
 </p:presentation>
 </file>
 
@@ -3408,7 +3413,7 @@
           <a:p>
             <a:r>
               <a:rPr lang="en-US" dirty="0"/>
-              <a:t>Your Repo in Github:</a:t>
+              <a:t>Your Repo in Github</a:t>
             </a:r>
           </a:p>
         </p:txBody>
@@ -3476,8 +3481,8 @@
         </p:nvSpPr>
         <p:spPr>
           <a:xfrm>
-            <a:off x="5003304" y="3510452"/>
-            <a:ext cx="3577711" cy="800219"/>
+            <a:off x="4681102" y="3510452"/>
+            <a:ext cx="4222118" cy="800219"/>
           </a:xfrm>
           <a:prstGeom prst="rect">
             <a:avLst/>
@@ -3500,7 +3505,7 @@
             <a:pPr algn="ctr"/>
             <a:r>
               <a:rPr lang="en-US" sz="1400" dirty="0"/>
-              <a:t>(this is a sub-directory of your home directory,</a:t>
+              <a:t>(this is a sub-directory of your home directory on Linux,</a:t>
             </a:r>
           </a:p>
           <a:p>
@@ -3526,14 +3531,14 @@
         </p:nvCxnSpPr>
         <p:spPr>
           <a:xfrm>
-            <a:off x="4687621" y="856593"/>
+            <a:off x="6442857" y="856593"/>
             <a:ext cx="0" cy="2215055"/>
           </a:xfrm>
           <a:prstGeom prst="straightConnector1">
             <a:avLst/>
           </a:prstGeom>
           <a:ln>
-            <a:tailEnd type="triangle"/>
+            <a:tailEnd type="triangle" w="lg" len="lg"/>
           </a:ln>
         </p:spPr>
         <p:style>
@@ -3565,7 +3570,7 @@
         </p:nvSpPr>
         <p:spPr>
           <a:xfrm>
-            <a:off x="2871424" y="1502455"/>
+            <a:off x="4679193" y="1460415"/>
             <a:ext cx="1806648" cy="738664"/>
           </a:xfrm>
           <a:prstGeom prst="rect">
@@ -3592,7 +3597,7 @@
           <a:p>
             <a:r>
               <a:rPr lang="en-US" sz="1400" i="1" dirty="0"/>
-              <a:t>git clone …</a:t>
+              <a:t>                 git clone …</a:t>
             </a:r>
           </a:p>
         </p:txBody>
@@ -3611,14 +3616,14 @@
         </p:nvCxnSpPr>
         <p:spPr>
           <a:xfrm flipV="1">
-            <a:off x="8692062" y="870892"/>
+            <a:off x="6926334" y="870892"/>
             <a:ext cx="0" cy="2200756"/>
           </a:xfrm>
           <a:prstGeom prst="straightConnector1">
             <a:avLst/>
           </a:prstGeom>
           <a:ln>
-            <a:tailEnd type="triangle"/>
+            <a:tailEnd type="triangle" w="lg" len="lg"/>
           </a:ln>
         </p:spPr>
         <p:style>
@@ -3650,7 +3655,7 @@
         </p:nvSpPr>
         <p:spPr>
           <a:xfrm>
-            <a:off x="5931077" y="1139854"/>
+            <a:off x="6992627" y="1465672"/>
             <a:ext cx="2672591" cy="1169551"/>
           </a:xfrm>
           <a:prstGeom prst="rect">
@@ -3677,19 +3682,19 @@
           <a:p>
             <a:r>
               <a:rPr lang="en-US" sz="1400" i="1" dirty="0"/>
-              <a:t>git commit –am “My message”</a:t>
+              <a:t>   git commit –am “My message”</a:t>
             </a:r>
           </a:p>
           <a:p>
             <a:r>
               <a:rPr lang="en-US" sz="1400" i="1" dirty="0"/>
-              <a:t>git tag –a “Lab5”</a:t>
+              <a:t>   git tag –a “Lab5”</a:t>
             </a:r>
           </a:p>
           <a:p>
             <a:r>
               <a:rPr lang="en-US" sz="1400" i="1" dirty="0"/>
-              <a:t>git push</a:t>
+              <a:t>   git push</a:t>
             </a:r>
           </a:p>
         </p:txBody>
